--- a/17_TfIdf.pptx
+++ b/17_TfIdf.pptx
@@ -222,7 +222,7 @@
             <a:fld id="{6837EDA8-41C8-4B24-A206-13C08A65A6D7}" type="datetimeFigureOut">
               <a:rPr lang="zh-TW" altLang="en-US" smtClean="0"/>
               <a:pPr/>
-              <a:t>2020/6/19</a:t>
+              <a:t>2020/6/20</a:t>
             </a:fld>
             <a:endParaRPr lang="zh-TW" altLang="en-US"/>
           </a:p>
@@ -675,7 +675,7 @@
             <a:fld id="{8B85509C-BD4F-47BF-9B1E-FC2E949B3621}" type="datetime1">
               <a:rPr lang="zh-TW" altLang="en-US" smtClean="0"/>
               <a:pPr/>
-              <a:t>2020/6/19</a:t>
+              <a:t>2020/6/20</a:t>
             </a:fld>
             <a:endParaRPr lang="zh-TW" altLang="en-US"/>
           </a:p>
@@ -848,7 +848,7 @@
             <a:fld id="{42251B24-F787-4C15-8A0F-7AEC20C70069}" type="datetime1">
               <a:rPr lang="zh-TW" altLang="en-US" smtClean="0"/>
               <a:pPr/>
-              <a:t>2020/6/19</a:t>
+              <a:t>2020/6/20</a:t>
             </a:fld>
             <a:endParaRPr lang="zh-TW" altLang="en-US"/>
           </a:p>
@@ -1023,7 +1023,7 @@
             <a:fld id="{9CA0D33C-CE2B-45F1-B8D4-FFD1F131F331}" type="datetime1">
               <a:rPr lang="zh-TW" altLang="en-US" smtClean="0"/>
               <a:pPr/>
-              <a:t>2020/6/19</a:t>
+              <a:t>2020/6/20</a:t>
             </a:fld>
             <a:endParaRPr lang="zh-TW" altLang="en-US"/>
           </a:p>
@@ -1188,7 +1188,7 @@
             <a:fld id="{50B99440-D9EF-40CC-9B52-F6428D9B2C76}" type="datetime1">
               <a:rPr lang="zh-TW" altLang="en-US" smtClean="0"/>
               <a:pPr/>
-              <a:t>2020/6/19</a:t>
+              <a:t>2020/6/20</a:t>
             </a:fld>
             <a:endParaRPr lang="zh-TW" altLang="en-US"/>
           </a:p>
@@ -1430,7 +1430,7 @@
             <a:fld id="{0871BF52-5C6C-4959-8E27-CECB68D39FE4}" type="datetime1">
               <a:rPr lang="zh-TW" altLang="en-US" smtClean="0"/>
               <a:pPr/>
-              <a:t>2020/6/19</a:t>
+              <a:t>2020/6/20</a:t>
             </a:fld>
             <a:endParaRPr lang="zh-TW" altLang="en-US"/>
           </a:p>
@@ -1712,7 +1712,7 @@
             <a:fld id="{DF863F05-2DD9-4EB1-A827-12FD992DE9DC}" type="datetime1">
               <a:rPr lang="zh-TW" altLang="en-US" smtClean="0"/>
               <a:pPr/>
-              <a:t>2020/6/19</a:t>
+              <a:t>2020/6/20</a:t>
             </a:fld>
             <a:endParaRPr lang="zh-TW" altLang="en-US"/>
           </a:p>
@@ -2128,7 +2128,7 @@
             <a:fld id="{6339AF51-4491-4873-A096-75DB6CE47516}" type="datetime1">
               <a:rPr lang="zh-TW" altLang="en-US" smtClean="0"/>
               <a:pPr/>
-              <a:t>2020/6/19</a:t>
+              <a:t>2020/6/20</a:t>
             </a:fld>
             <a:endParaRPr lang="zh-TW" altLang="en-US"/>
           </a:p>
@@ -2242,7 +2242,7 @@
             <a:fld id="{EE4AD9C8-8B9E-40FF-ABE2-858AC2057BBB}" type="datetime1">
               <a:rPr lang="zh-TW" altLang="en-US" smtClean="0"/>
               <a:pPr/>
-              <a:t>2020/6/19</a:t>
+              <a:t>2020/6/20</a:t>
             </a:fld>
             <a:endParaRPr lang="zh-TW" altLang="en-US"/>
           </a:p>
@@ -2334,7 +2334,7 @@
             <a:fld id="{B4784999-BBBE-4BE4-A8D0-877E7D1D66CC}" type="datetime1">
               <a:rPr lang="zh-TW" altLang="en-US" smtClean="0"/>
               <a:pPr/>
-              <a:t>2020/6/19</a:t>
+              <a:t>2020/6/20</a:t>
             </a:fld>
             <a:endParaRPr lang="zh-TW" altLang="en-US"/>
           </a:p>
@@ -2606,7 +2606,7 @@
             <a:fld id="{E88D17E6-02BD-4944-B9FE-7BFCCBF83D48}" type="datetime1">
               <a:rPr lang="zh-TW" altLang="en-US" smtClean="0"/>
               <a:pPr/>
-              <a:t>2020/6/19</a:t>
+              <a:t>2020/6/20</a:t>
             </a:fld>
             <a:endParaRPr lang="zh-TW" altLang="en-US"/>
           </a:p>
@@ -2855,7 +2855,7 @@
             <a:fld id="{3C13E23D-1FEF-4D78-A3A3-3D6F2BB31954}" type="datetime1">
               <a:rPr lang="zh-TW" altLang="en-US" smtClean="0"/>
               <a:pPr/>
-              <a:t>2020/6/19</a:t>
+              <a:t>2020/6/20</a:t>
             </a:fld>
             <a:endParaRPr lang="zh-TW" altLang="en-US"/>
           </a:p>
@@ -3063,7 +3063,7 @@
             <a:fld id="{06197F35-AD6F-4594-8B50-334492D2E7E8}" type="datetime1">
               <a:rPr lang="zh-TW" altLang="en-US" smtClean="0"/>
               <a:pPr/>
-              <a:t>2020/6/19</a:t>
+              <a:t>2020/6/20</a:t>
             </a:fld>
             <a:endParaRPr lang="zh-TW" altLang="en-US"/>
           </a:p>
@@ -3524,7 +3524,7 @@
             <a:fld id="{C389EDC9-19E3-47AC-9C57-C6A24DEA81AD}" type="datetime1">
               <a:rPr lang="zh-TW" altLang="en-US" smtClean="0"/>
               <a:pPr/>
-              <a:t>2020/6/19</a:t>
+              <a:t>2020/6/20</a:t>
             </a:fld>
             <a:endParaRPr lang="zh-TW" altLang="en-US"/>
           </a:p>
@@ -3865,7 +3865,7 @@
             <a:fld id="{A4F910E6-8D00-4BAF-8C48-9688E0B449D3}" type="datetime1">
               <a:rPr lang="zh-TW" altLang="en-US" smtClean="0"/>
               <a:pPr/>
-              <a:t>2020/6/19</a:t>
+              <a:t>2020/6/20</a:t>
             </a:fld>
             <a:endParaRPr lang="zh-TW" altLang="en-US"/>
           </a:p>
@@ -4191,7 +4191,7 @@
             <a:fld id="{A4F910E6-8D00-4BAF-8C48-9688E0B449D3}" type="datetime1">
               <a:rPr lang="zh-TW" altLang="en-US" smtClean="0"/>
               <a:pPr/>
-              <a:t>2020/6/19</a:t>
+              <a:t>2020/6/20</a:t>
             </a:fld>
             <a:endParaRPr lang="zh-TW" altLang="en-US"/>
           </a:p>
@@ -4340,7 +4340,7 @@
             <a:fld id="{C389EDC9-19E3-47AC-9C57-C6A24DEA81AD}" type="datetime1">
               <a:rPr lang="zh-TW" altLang="en-US" smtClean="0"/>
               <a:pPr/>
-              <a:t>2020/6/19</a:t>
+              <a:t>2020/6/20</a:t>
             </a:fld>
             <a:endParaRPr lang="zh-TW" altLang="en-US"/>
           </a:p>
@@ -4508,7 +4508,7 @@
         <p:spPr>
           <a:xfrm>
             <a:off x="425697" y="1259368"/>
-            <a:ext cx="8106743" cy="2673688"/>
+            <a:ext cx="8106743" cy="3033728"/>
           </a:xfrm>
           <a:ln>
             <a:solidFill>
@@ -4554,7 +4554,25 @@
                   <a:schemeClr val="tx1"/>
                 </a:solidFill>
               </a:rPr>
-              <a:t>1. What is TF-IDF stand</a:t>
+              <a:t>1. What is TF-IDF stand for?</a:t>
+            </a:r>
+          </a:p>
+          <a:p>
+            <a:pPr marL="342900" indent="-342900" algn="l">
+              <a:buClr>
+                <a:srgbClr val="0070C0"/>
+              </a:buClr>
+              <a:buSzPct val="80000"/>
+              <a:buFont typeface="Wingdings" pitchFamily="2" charset="2"/>
+              <a:buChar char="u"/>
+            </a:pPr>
+            <a:r>
+              <a:rPr lang="en-US" sz="1800" dirty="0">
+                <a:solidFill>
+                  <a:schemeClr val="tx1"/>
+                </a:solidFill>
+              </a:rPr>
+              <a:t>Ans: TF-IDF (Term Frequency-Inverse Document Frequency)</a:t>
             </a:r>
           </a:p>
           <a:p>
@@ -4918,7 +4936,7 @@
             <a:fld id="{A4F910E6-8D00-4BAF-8C48-9688E0B449D3}" type="datetime1">
               <a:rPr lang="zh-TW" altLang="en-US" smtClean="0"/>
               <a:pPr/>
-              <a:t>2020/6/19</a:t>
+              <a:t>2020/6/20</a:t>
             </a:fld>
             <a:endParaRPr lang="zh-TW" altLang="en-US"/>
           </a:p>
@@ -5060,7 +5078,7 @@
             <a:fld id="{4E46BE27-E923-4EC2-B046-3272AE2A3E5C}" type="datetime1">
               <a:rPr lang="zh-TW" altLang="en-US" smtClean="0"/>
               <a:pPr/>
-              <a:t>2020/6/19</a:t>
+              <a:t>2020/6/20</a:t>
             </a:fld>
             <a:endParaRPr lang="zh-TW" altLang="en-US"/>
           </a:p>
@@ -5344,7 +5362,7 @@
             <a:fld id="{A4F910E6-8D00-4BAF-8C48-9688E0B449D3}" type="datetime1">
               <a:rPr lang="zh-TW" altLang="en-US" smtClean="0"/>
               <a:pPr/>
-              <a:t>2020/6/19</a:t>
+              <a:t>2020/6/20</a:t>
             </a:fld>
             <a:endParaRPr lang="zh-TW" altLang="en-US"/>
           </a:p>
@@ -6323,7 +6341,7 @@
             <a:fld id="{A4F910E6-8D00-4BAF-8C48-9688E0B449D3}" type="datetime1">
               <a:rPr lang="zh-TW" altLang="en-US" smtClean="0"/>
               <a:pPr/>
-              <a:t>2020/6/19</a:t>
+              <a:t>2020/6/20</a:t>
             </a:fld>
             <a:endParaRPr lang="zh-TW" altLang="en-US"/>
           </a:p>
@@ -6353,8 +6371,8 @@
           </a:p>
         </p:txBody>
       </p:sp>
-      <mc:AlternateContent xmlns:mc="http://schemas.openxmlformats.org/markup-compatibility/2006">
-        <mc:Choice xmlns:a14="http://schemas.microsoft.com/office/drawing/2010/main" Requires="a14">
+      <mc:AlternateContent xmlns:mc="http://schemas.openxmlformats.org/markup-compatibility/2006" xmlns:a14="http://schemas.microsoft.com/office/drawing/2010/main">
+        <mc:Choice Requires="a14">
           <p:sp>
             <p:nvSpPr>
               <p:cNvPr id="8" name="TextBox 7">
@@ -6388,6 +6406,7 @@
               </a:bodyPr>
               <a:lstStyle/>
               <a:p>
+                <a:pPr/>
                 <a14:m>
                   <m:oMathPara xmlns:m="http://schemas.openxmlformats.org/officeDocument/2006/math">
                     <m:oMathParaPr>
@@ -6535,7 +6554,7 @@
             </p:txBody>
           </p:sp>
         </mc:Choice>
-        <mc:Fallback>
+        <mc:Fallback xmlns="">
           <p:sp>
             <p:nvSpPr>
               <p:cNvPr id="8" name="TextBox 7">
@@ -7357,7 +7376,7 @@
             <a:fld id="{A4F910E6-8D00-4BAF-8C48-9688E0B449D3}" type="datetime1">
               <a:rPr lang="zh-TW" altLang="en-US" smtClean="0"/>
               <a:pPr/>
-              <a:t>2020/6/19</a:t>
+              <a:t>2020/6/20</a:t>
             </a:fld>
             <a:endParaRPr lang="zh-TW" altLang="en-US"/>
           </a:p>
@@ -8115,7 +8134,7 @@
             <a:fld id="{A4F910E6-8D00-4BAF-8C48-9688E0B449D3}" type="datetime1">
               <a:rPr lang="zh-TW" altLang="en-US" smtClean="0"/>
               <a:pPr/>
-              <a:t>2020/6/19</a:t>
+              <a:t>2020/6/20</a:t>
             </a:fld>
             <a:endParaRPr lang="zh-TW" altLang="en-US"/>
           </a:p>
@@ -8394,7 +8413,7 @@
             <a:fld id="{A4F910E6-8D00-4BAF-8C48-9688E0B449D3}" type="datetime1">
               <a:rPr lang="zh-TW" altLang="en-US" smtClean="0"/>
               <a:pPr/>
-              <a:t>2020/6/19</a:t>
+              <a:t>2020/6/20</a:t>
             </a:fld>
             <a:endParaRPr lang="zh-TW" altLang="en-US"/>
           </a:p>
@@ -8700,7 +8719,7 @@
             <a:fld id="{A4F910E6-8D00-4BAF-8C48-9688E0B449D3}" type="datetime1">
               <a:rPr lang="zh-TW" altLang="en-US" smtClean="0"/>
               <a:pPr/>
-              <a:t>2020/6/19</a:t>
+              <a:t>2020/6/20</a:t>
             </a:fld>
             <a:endParaRPr lang="zh-TW" altLang="en-US"/>
           </a:p>
@@ -9033,7 +9052,7 @@
             <a:fld id="{A4F910E6-8D00-4BAF-8C48-9688E0B449D3}" type="datetime1">
               <a:rPr lang="zh-TW" altLang="en-US" smtClean="0"/>
               <a:pPr/>
-              <a:t>2020/6/19</a:t>
+              <a:t>2020/6/20</a:t>
             </a:fld>
             <a:endParaRPr lang="zh-TW" altLang="en-US"/>
           </a:p>
@@ -9187,7 +9206,7 @@
             <a:fld id="{C389EDC9-19E3-47AC-9C57-C6A24DEA81AD}" type="datetime1">
               <a:rPr lang="zh-TW" altLang="en-US" smtClean="0"/>
               <a:pPr/>
-              <a:t>2020/6/19</a:t>
+              <a:t>2020/6/20</a:t>
             </a:fld>
             <a:endParaRPr lang="zh-TW" altLang="en-US"/>
           </a:p>

--- a/17_TfIdf.pptx
+++ b/17_TfIdf.pptx
@@ -222,7 +222,7 @@
             <a:fld id="{6837EDA8-41C8-4B24-A206-13C08A65A6D7}" type="datetimeFigureOut">
               <a:rPr lang="zh-TW" altLang="en-US" smtClean="0"/>
               <a:pPr/>
-              <a:t>2020/6/20</a:t>
+              <a:t>2020/6/21</a:t>
             </a:fld>
             <a:endParaRPr lang="zh-TW" altLang="en-US"/>
           </a:p>
@@ -675,7 +675,7 @@
             <a:fld id="{8B85509C-BD4F-47BF-9B1E-FC2E949B3621}" type="datetime1">
               <a:rPr lang="zh-TW" altLang="en-US" smtClean="0"/>
               <a:pPr/>
-              <a:t>2020/6/20</a:t>
+              <a:t>2020/6/21</a:t>
             </a:fld>
             <a:endParaRPr lang="zh-TW" altLang="en-US"/>
           </a:p>
@@ -848,7 +848,7 @@
             <a:fld id="{42251B24-F787-4C15-8A0F-7AEC20C70069}" type="datetime1">
               <a:rPr lang="zh-TW" altLang="en-US" smtClean="0"/>
               <a:pPr/>
-              <a:t>2020/6/20</a:t>
+              <a:t>2020/6/21</a:t>
             </a:fld>
             <a:endParaRPr lang="zh-TW" altLang="en-US"/>
           </a:p>
@@ -1023,7 +1023,7 @@
             <a:fld id="{9CA0D33C-CE2B-45F1-B8D4-FFD1F131F331}" type="datetime1">
               <a:rPr lang="zh-TW" altLang="en-US" smtClean="0"/>
               <a:pPr/>
-              <a:t>2020/6/20</a:t>
+              <a:t>2020/6/21</a:t>
             </a:fld>
             <a:endParaRPr lang="zh-TW" altLang="en-US"/>
           </a:p>
@@ -1188,7 +1188,7 @@
             <a:fld id="{50B99440-D9EF-40CC-9B52-F6428D9B2C76}" type="datetime1">
               <a:rPr lang="zh-TW" altLang="en-US" smtClean="0"/>
               <a:pPr/>
-              <a:t>2020/6/20</a:t>
+              <a:t>2020/6/21</a:t>
             </a:fld>
             <a:endParaRPr lang="zh-TW" altLang="en-US"/>
           </a:p>
@@ -1430,7 +1430,7 @@
             <a:fld id="{0871BF52-5C6C-4959-8E27-CECB68D39FE4}" type="datetime1">
               <a:rPr lang="zh-TW" altLang="en-US" smtClean="0"/>
               <a:pPr/>
-              <a:t>2020/6/20</a:t>
+              <a:t>2020/6/21</a:t>
             </a:fld>
             <a:endParaRPr lang="zh-TW" altLang="en-US"/>
           </a:p>
@@ -1712,7 +1712,7 @@
             <a:fld id="{DF863F05-2DD9-4EB1-A827-12FD992DE9DC}" type="datetime1">
               <a:rPr lang="zh-TW" altLang="en-US" smtClean="0"/>
               <a:pPr/>
-              <a:t>2020/6/20</a:t>
+              <a:t>2020/6/21</a:t>
             </a:fld>
             <a:endParaRPr lang="zh-TW" altLang="en-US"/>
           </a:p>
@@ -2128,7 +2128,7 @@
             <a:fld id="{6339AF51-4491-4873-A096-75DB6CE47516}" type="datetime1">
               <a:rPr lang="zh-TW" altLang="en-US" smtClean="0"/>
               <a:pPr/>
-              <a:t>2020/6/20</a:t>
+              <a:t>2020/6/21</a:t>
             </a:fld>
             <a:endParaRPr lang="zh-TW" altLang="en-US"/>
           </a:p>
@@ -2242,7 +2242,7 @@
             <a:fld id="{EE4AD9C8-8B9E-40FF-ABE2-858AC2057BBB}" type="datetime1">
               <a:rPr lang="zh-TW" altLang="en-US" smtClean="0"/>
               <a:pPr/>
-              <a:t>2020/6/20</a:t>
+              <a:t>2020/6/21</a:t>
             </a:fld>
             <a:endParaRPr lang="zh-TW" altLang="en-US"/>
           </a:p>
@@ -2334,7 +2334,7 @@
             <a:fld id="{B4784999-BBBE-4BE4-A8D0-877E7D1D66CC}" type="datetime1">
               <a:rPr lang="zh-TW" altLang="en-US" smtClean="0"/>
               <a:pPr/>
-              <a:t>2020/6/20</a:t>
+              <a:t>2020/6/21</a:t>
             </a:fld>
             <a:endParaRPr lang="zh-TW" altLang="en-US"/>
           </a:p>
@@ -2606,7 +2606,7 @@
             <a:fld id="{E88D17E6-02BD-4944-B9FE-7BFCCBF83D48}" type="datetime1">
               <a:rPr lang="zh-TW" altLang="en-US" smtClean="0"/>
               <a:pPr/>
-              <a:t>2020/6/20</a:t>
+              <a:t>2020/6/21</a:t>
             </a:fld>
             <a:endParaRPr lang="zh-TW" altLang="en-US"/>
           </a:p>
@@ -2855,7 +2855,7 @@
             <a:fld id="{3C13E23D-1FEF-4D78-A3A3-3D6F2BB31954}" type="datetime1">
               <a:rPr lang="zh-TW" altLang="en-US" smtClean="0"/>
               <a:pPr/>
-              <a:t>2020/6/20</a:t>
+              <a:t>2020/6/21</a:t>
             </a:fld>
             <a:endParaRPr lang="zh-TW" altLang="en-US"/>
           </a:p>
@@ -3063,7 +3063,7 @@
             <a:fld id="{06197F35-AD6F-4594-8B50-334492D2E7E8}" type="datetime1">
               <a:rPr lang="zh-TW" altLang="en-US" smtClean="0"/>
               <a:pPr/>
-              <a:t>2020/6/20</a:t>
+              <a:t>2020/6/21</a:t>
             </a:fld>
             <a:endParaRPr lang="zh-TW" altLang="en-US"/>
           </a:p>
@@ -3524,7 +3524,7 @@
             <a:fld id="{C389EDC9-19E3-47AC-9C57-C6A24DEA81AD}" type="datetime1">
               <a:rPr lang="zh-TW" altLang="en-US" smtClean="0"/>
               <a:pPr/>
-              <a:t>2020/6/20</a:t>
+              <a:t>2020/6/21</a:t>
             </a:fld>
             <a:endParaRPr lang="zh-TW" altLang="en-US"/>
           </a:p>
@@ -3865,7 +3865,7 @@
             <a:fld id="{A4F910E6-8D00-4BAF-8C48-9688E0B449D3}" type="datetime1">
               <a:rPr lang="zh-TW" altLang="en-US" smtClean="0"/>
               <a:pPr/>
-              <a:t>2020/6/20</a:t>
+              <a:t>2020/6/21</a:t>
             </a:fld>
             <a:endParaRPr lang="zh-TW" altLang="en-US"/>
           </a:p>
@@ -4191,7 +4191,7 @@
             <a:fld id="{A4F910E6-8D00-4BAF-8C48-9688E0B449D3}" type="datetime1">
               <a:rPr lang="zh-TW" altLang="en-US" smtClean="0"/>
               <a:pPr/>
-              <a:t>2020/6/20</a:t>
+              <a:t>2020/6/21</a:t>
             </a:fld>
             <a:endParaRPr lang="zh-TW" altLang="en-US"/>
           </a:p>
@@ -4340,7 +4340,7 @@
             <a:fld id="{C389EDC9-19E3-47AC-9C57-C6A24DEA81AD}" type="datetime1">
               <a:rPr lang="zh-TW" altLang="en-US" smtClean="0"/>
               <a:pPr/>
-              <a:t>2020/6/20</a:t>
+              <a:t>2020/6/21</a:t>
             </a:fld>
             <a:endParaRPr lang="zh-TW" altLang="en-US"/>
           </a:p>
@@ -4936,7 +4936,7 @@
             <a:fld id="{A4F910E6-8D00-4BAF-8C48-9688E0B449D3}" type="datetime1">
               <a:rPr lang="zh-TW" altLang="en-US" smtClean="0"/>
               <a:pPr/>
-              <a:t>2020/6/20</a:t>
+              <a:t>2020/6/21</a:t>
             </a:fld>
             <a:endParaRPr lang="zh-TW" altLang="en-US"/>
           </a:p>
@@ -5078,7 +5078,7 @@
             <a:fld id="{4E46BE27-E923-4EC2-B046-3272AE2A3E5C}" type="datetime1">
               <a:rPr lang="zh-TW" altLang="en-US" smtClean="0"/>
               <a:pPr/>
-              <a:t>2020/6/20</a:t>
+              <a:t>2020/6/21</a:t>
             </a:fld>
             <a:endParaRPr lang="zh-TW" altLang="en-US"/>
           </a:p>
@@ -5362,7 +5362,7 @@
             <a:fld id="{A4F910E6-8D00-4BAF-8C48-9688E0B449D3}" type="datetime1">
               <a:rPr lang="zh-TW" altLang="en-US" smtClean="0"/>
               <a:pPr/>
-              <a:t>2020/6/20</a:t>
+              <a:t>2020/6/21</a:t>
             </a:fld>
             <a:endParaRPr lang="zh-TW" altLang="en-US"/>
           </a:p>
@@ -6341,7 +6341,7 @@
             <a:fld id="{A4F910E6-8D00-4BAF-8C48-9688E0B449D3}" type="datetime1">
               <a:rPr lang="zh-TW" altLang="en-US" smtClean="0"/>
               <a:pPr/>
-              <a:t>2020/6/20</a:t>
+              <a:t>2020/6/21</a:t>
             </a:fld>
             <a:endParaRPr lang="zh-TW" altLang="en-US"/>
           </a:p>
@@ -7376,7 +7376,7 @@
             <a:fld id="{A4F910E6-8D00-4BAF-8C48-9688E0B449D3}" type="datetime1">
               <a:rPr lang="zh-TW" altLang="en-US" smtClean="0"/>
               <a:pPr/>
-              <a:t>2020/6/20</a:t>
+              <a:t>2020/6/21</a:t>
             </a:fld>
             <a:endParaRPr lang="zh-TW" altLang="en-US"/>
           </a:p>
@@ -8134,7 +8134,7 @@
             <a:fld id="{A4F910E6-8D00-4BAF-8C48-9688E0B449D3}" type="datetime1">
               <a:rPr lang="zh-TW" altLang="en-US" smtClean="0"/>
               <a:pPr/>
-              <a:t>2020/6/20</a:t>
+              <a:t>2020/6/21</a:t>
             </a:fld>
             <a:endParaRPr lang="zh-TW" altLang="en-US"/>
           </a:p>
@@ -8413,7 +8413,7 @@
             <a:fld id="{A4F910E6-8D00-4BAF-8C48-9688E0B449D3}" type="datetime1">
               <a:rPr lang="zh-TW" altLang="en-US" smtClean="0"/>
               <a:pPr/>
-              <a:t>2020/6/20</a:t>
+              <a:t>2020/6/21</a:t>
             </a:fld>
             <a:endParaRPr lang="zh-TW" altLang="en-US"/>
           </a:p>
@@ -8719,7 +8719,7 @@
             <a:fld id="{A4F910E6-8D00-4BAF-8C48-9688E0B449D3}" type="datetime1">
               <a:rPr lang="zh-TW" altLang="en-US" smtClean="0"/>
               <a:pPr/>
-              <a:t>2020/6/20</a:t>
+              <a:t>2020/6/21</a:t>
             </a:fld>
             <a:endParaRPr lang="zh-TW" altLang="en-US"/>
           </a:p>
@@ -9052,7 +9052,7 @@
             <a:fld id="{A4F910E6-8D00-4BAF-8C48-9688E0B449D3}" type="datetime1">
               <a:rPr lang="zh-TW" altLang="en-US" smtClean="0"/>
               <a:pPr/>
-              <a:t>2020/6/20</a:t>
+              <a:t>2020/6/21</a:t>
             </a:fld>
             <a:endParaRPr lang="zh-TW" altLang="en-US"/>
           </a:p>
@@ -9206,7 +9206,7 @@
             <a:fld id="{C389EDC9-19E3-47AC-9C57-C6A24DEA81AD}" type="datetime1">
               <a:rPr lang="zh-TW" altLang="en-US" smtClean="0"/>
               <a:pPr/>
-              <a:t>2020/6/20</a:t>
+              <a:t>2020/6/21</a:t>
             </a:fld>
             <a:endParaRPr lang="zh-TW" altLang="en-US"/>
           </a:p>
